--- a/Скиллбокс.pptx
+++ b/Скиллбокс.pptx
@@ -12,6 +12,20 @@
     <p:sldId id="260" r:id="rId6"/>
     <p:sldId id="261" r:id="rId7"/>
     <p:sldId id="263" r:id="rId8"/>
+    <p:sldId id="264" r:id="rId9"/>
+    <p:sldId id="265" r:id="rId10"/>
+    <p:sldId id="266" r:id="rId11"/>
+    <p:sldId id="267" r:id="rId12"/>
+    <p:sldId id="268" r:id="rId13"/>
+    <p:sldId id="269" r:id="rId14"/>
+    <p:sldId id="270" r:id="rId15"/>
+    <p:sldId id="271" r:id="rId16"/>
+    <p:sldId id="272" r:id="rId17"/>
+    <p:sldId id="273" r:id="rId18"/>
+    <p:sldId id="274" r:id="rId19"/>
+    <p:sldId id="275" r:id="rId20"/>
+    <p:sldId id="276" r:id="rId21"/>
+    <p:sldId id="277" r:id="rId22"/>
   </p:sldIdLst>
   <p:sldSz cx="12192000" cy="6858000"/>
   <p:notesSz cx="6858000" cy="9144000"/>
@@ -7696,6 +7710,1082 @@
 </p:sld>
 </file>
 
+<file path=ppt/slides/slide10.xml><?xml version="1.0" encoding="utf-8"?>
+<p:sld xmlns:a="http://schemas.openxmlformats.org/drawingml/2006/main" xmlns:r="http://schemas.openxmlformats.org/officeDocument/2006/relationships" xmlns:p="http://schemas.openxmlformats.org/presentationml/2006/main">
+  <p:cSld>
+    <p:spTree>
+      <p:nvGrpSpPr>
+        <p:cNvPr id="1" name=""/>
+        <p:cNvGrpSpPr/>
+        <p:nvPr/>
+      </p:nvGrpSpPr>
+      <p:grpSpPr>
+        <a:xfrm>
+          <a:off x="0" y="0"/>
+          <a:ext cx="0" cy="0"/>
+          <a:chOff x="0" y="0"/>
+          <a:chExt cx="0" cy="0"/>
+        </a:xfrm>
+      </p:grpSpPr>
+      <p:sp>
+        <p:nvSpPr>
+          <p:cNvPr id="2" name="Заголовок 1">
+            <a:extLst>
+              <a:ext uri="{FF2B5EF4-FFF2-40B4-BE49-F238E27FC236}">
+                <a16:creationId xmlns:a16="http://schemas.microsoft.com/office/drawing/2014/main" id="{F0ACDE24-9F1D-4295-96F8-E7120E5C1B5F}"/>
+              </a:ext>
+            </a:extLst>
+          </p:cNvPr>
+          <p:cNvSpPr>
+            <a:spLocks noGrp="1"/>
+          </p:cNvSpPr>
+          <p:nvPr>
+            <p:ph type="title"/>
+          </p:nvPr>
+        </p:nvSpPr>
+        <p:spPr/>
+        <p:txBody>
+          <a:bodyPr/>
+          <a:lstStyle/>
+          <a:p>
+            <a:endParaRPr lang="ru-RU"/>
+          </a:p>
+        </p:txBody>
+      </p:sp>
+      <p:sp>
+        <p:nvSpPr>
+          <p:cNvPr id="3" name="Объект 2">
+            <a:extLst>
+              <a:ext uri="{FF2B5EF4-FFF2-40B4-BE49-F238E27FC236}">
+                <a16:creationId xmlns:a16="http://schemas.microsoft.com/office/drawing/2014/main" id="{1E4CC779-6B75-4F1F-88D7-BAED6A7CA36B}"/>
+              </a:ext>
+            </a:extLst>
+          </p:cNvPr>
+          <p:cNvSpPr>
+            <a:spLocks noGrp="1"/>
+          </p:cNvSpPr>
+          <p:nvPr>
+            <p:ph idx="1"/>
+          </p:nvPr>
+        </p:nvSpPr>
+        <p:spPr/>
+        <p:txBody>
+          <a:bodyPr/>
+          <a:lstStyle/>
+          <a:p>
+            <a:endParaRPr lang="ru-RU"/>
+          </a:p>
+        </p:txBody>
+      </p:sp>
+      <p:pic>
+        <p:nvPicPr>
+          <p:cNvPr id="5" name="Рисунок 4">
+            <a:extLst>
+              <a:ext uri="{FF2B5EF4-FFF2-40B4-BE49-F238E27FC236}">
+                <a16:creationId xmlns:a16="http://schemas.microsoft.com/office/drawing/2014/main" id="{D2F17A96-DB5B-4EF2-B4CF-9285A033B8FA}"/>
+              </a:ext>
+            </a:extLst>
+          </p:cNvPr>
+          <p:cNvPicPr>
+            <a:picLocks noChangeAspect="1"/>
+          </p:cNvPicPr>
+          <p:nvPr/>
+        </p:nvPicPr>
+        <p:blipFill>
+          <a:blip r:embed="rId2"/>
+          <a:stretch>
+            <a:fillRect/>
+          </a:stretch>
+        </p:blipFill>
+        <p:spPr>
+          <a:xfrm>
+            <a:off x="479045" y="1264555"/>
+            <a:ext cx="11712955" cy="5448772"/>
+          </a:xfrm>
+          <a:prstGeom prst="rect">
+            <a:avLst/>
+          </a:prstGeom>
+        </p:spPr>
+      </p:pic>
+    </p:spTree>
+    <p:extLst>
+      <p:ext uri="{BB962C8B-B14F-4D97-AF65-F5344CB8AC3E}">
+        <p14:creationId xmlns:p14="http://schemas.microsoft.com/office/powerpoint/2010/main" val="1030292072"/>
+      </p:ext>
+    </p:extLst>
+  </p:cSld>
+  <p:clrMapOvr>
+    <a:masterClrMapping/>
+  </p:clrMapOvr>
+</p:sld>
+</file>
+
+<file path=ppt/slides/slide11.xml><?xml version="1.0" encoding="utf-8"?>
+<p:sld xmlns:a="http://schemas.openxmlformats.org/drawingml/2006/main" xmlns:r="http://schemas.openxmlformats.org/officeDocument/2006/relationships" xmlns:p="http://schemas.openxmlformats.org/presentationml/2006/main">
+  <p:cSld>
+    <p:spTree>
+      <p:nvGrpSpPr>
+        <p:cNvPr id="1" name=""/>
+        <p:cNvGrpSpPr/>
+        <p:nvPr/>
+      </p:nvGrpSpPr>
+      <p:grpSpPr>
+        <a:xfrm>
+          <a:off x="0" y="0"/>
+          <a:ext cx="0" cy="0"/>
+          <a:chOff x="0" y="0"/>
+          <a:chExt cx="0" cy="0"/>
+        </a:xfrm>
+      </p:grpSpPr>
+      <p:sp>
+        <p:nvSpPr>
+          <p:cNvPr id="2" name="Заголовок 1">
+            <a:extLst>
+              <a:ext uri="{FF2B5EF4-FFF2-40B4-BE49-F238E27FC236}">
+                <a16:creationId xmlns:a16="http://schemas.microsoft.com/office/drawing/2014/main" id="{395CD3E0-C782-4856-8BB6-A7312186FF57}"/>
+              </a:ext>
+            </a:extLst>
+          </p:cNvPr>
+          <p:cNvSpPr>
+            <a:spLocks noGrp="1"/>
+          </p:cNvSpPr>
+          <p:nvPr>
+            <p:ph type="title"/>
+          </p:nvPr>
+        </p:nvSpPr>
+        <p:spPr/>
+        <p:txBody>
+          <a:bodyPr/>
+          <a:lstStyle/>
+          <a:p>
+            <a:r>
+              <a:rPr lang="ru-RU" dirty="0"/>
+              <a:t>Основные способы сбора информации о процессе</a:t>
+            </a:r>
+          </a:p>
+        </p:txBody>
+      </p:sp>
+      <p:sp>
+        <p:nvSpPr>
+          <p:cNvPr id="3" name="Объект 2">
+            <a:extLst>
+              <a:ext uri="{FF2B5EF4-FFF2-40B4-BE49-F238E27FC236}">
+                <a16:creationId xmlns:a16="http://schemas.microsoft.com/office/drawing/2014/main" id="{5902C7C6-BD86-4500-9ACB-B6B26CFD55AA}"/>
+              </a:ext>
+            </a:extLst>
+          </p:cNvPr>
+          <p:cNvSpPr>
+            <a:spLocks noGrp="1"/>
+          </p:cNvSpPr>
+          <p:nvPr>
+            <p:ph idx="1"/>
+          </p:nvPr>
+        </p:nvSpPr>
+        <p:spPr/>
+        <p:txBody>
+          <a:bodyPr/>
+          <a:lstStyle/>
+          <a:p>
+            <a:r>
+              <a:rPr lang="ru-RU" dirty="0"/>
+              <a:t>Анкетирование</a:t>
+            </a:r>
+          </a:p>
+          <a:p>
+            <a:r>
+              <a:rPr lang="ru-RU" dirty="0" err="1"/>
+              <a:t>Интерьюирирование</a:t>
+            </a:r>
+            <a:endParaRPr lang="ru-RU" dirty="0"/>
+          </a:p>
+          <a:p>
+            <a:r>
+              <a:rPr lang="ru-RU" dirty="0"/>
+              <a:t>Моделирующая сессия</a:t>
+            </a:r>
+          </a:p>
+        </p:txBody>
+      </p:sp>
+    </p:spTree>
+    <p:extLst>
+      <p:ext uri="{BB962C8B-B14F-4D97-AF65-F5344CB8AC3E}">
+        <p14:creationId xmlns:p14="http://schemas.microsoft.com/office/powerpoint/2010/main" val="157443307"/>
+      </p:ext>
+    </p:extLst>
+  </p:cSld>
+  <p:clrMapOvr>
+    <a:masterClrMapping/>
+  </p:clrMapOvr>
+</p:sld>
+</file>
+
+<file path=ppt/slides/slide12.xml><?xml version="1.0" encoding="utf-8"?>
+<p:sld xmlns:a="http://schemas.openxmlformats.org/drawingml/2006/main" xmlns:r="http://schemas.openxmlformats.org/officeDocument/2006/relationships" xmlns:p="http://schemas.openxmlformats.org/presentationml/2006/main">
+  <p:cSld>
+    <p:spTree>
+      <p:nvGrpSpPr>
+        <p:cNvPr id="1" name=""/>
+        <p:cNvGrpSpPr/>
+        <p:nvPr/>
+      </p:nvGrpSpPr>
+      <p:grpSpPr>
+        <a:xfrm>
+          <a:off x="0" y="0"/>
+          <a:ext cx="0" cy="0"/>
+          <a:chOff x="0" y="0"/>
+          <a:chExt cx="0" cy="0"/>
+        </a:xfrm>
+      </p:grpSpPr>
+      <p:sp>
+        <p:nvSpPr>
+          <p:cNvPr id="2" name="Заголовок 1">
+            <a:extLst>
+              <a:ext uri="{FF2B5EF4-FFF2-40B4-BE49-F238E27FC236}">
+                <a16:creationId xmlns:a16="http://schemas.microsoft.com/office/drawing/2014/main" id="{C9829F63-C681-47C7-B3D3-C3A68AE5256B}"/>
+              </a:ext>
+            </a:extLst>
+          </p:cNvPr>
+          <p:cNvSpPr>
+            <a:spLocks noGrp="1"/>
+          </p:cNvSpPr>
+          <p:nvPr>
+            <p:ph type="title"/>
+          </p:nvPr>
+        </p:nvSpPr>
+        <p:spPr/>
+        <p:txBody>
+          <a:bodyPr/>
+          <a:lstStyle/>
+          <a:p>
+            <a:r>
+              <a:rPr lang="ru-RU" dirty="0"/>
+              <a:t>Как выбрать нотацию?</a:t>
+            </a:r>
+          </a:p>
+        </p:txBody>
+      </p:sp>
+      <p:sp>
+        <p:nvSpPr>
+          <p:cNvPr id="3" name="Объект 2">
+            <a:extLst>
+              <a:ext uri="{FF2B5EF4-FFF2-40B4-BE49-F238E27FC236}">
+                <a16:creationId xmlns:a16="http://schemas.microsoft.com/office/drawing/2014/main" id="{627D2BE0-B393-4D48-8140-A63885CF0CE5}"/>
+              </a:ext>
+            </a:extLst>
+          </p:cNvPr>
+          <p:cNvSpPr>
+            <a:spLocks noGrp="1"/>
+          </p:cNvSpPr>
+          <p:nvPr>
+            <p:ph idx="1"/>
+          </p:nvPr>
+        </p:nvSpPr>
+        <p:spPr/>
+        <p:txBody>
+          <a:bodyPr/>
+          <a:lstStyle/>
+          <a:p>
+            <a:r>
+              <a:rPr lang="ru-RU" dirty="0"/>
+              <a:t>Нотация – это </a:t>
+            </a:r>
+            <a:r>
+              <a:rPr lang="ru-RU" dirty="0">
+                <a:solidFill>
+                  <a:schemeClr val="tx1"/>
+                </a:solidFill>
+              </a:rPr>
+              <a:t>м</a:t>
+            </a:r>
+            <a:r>
+              <a:rPr lang="ru-RU" b="0" i="0" dirty="0">
+                <a:solidFill>
+                  <a:schemeClr val="tx1"/>
+                </a:solidFill>
+                <a:effectLst/>
+              </a:rPr>
+              <a:t>ножество символов и правила их применения, используемые для представления лексических единиц и их взаимоотношений.</a:t>
+            </a:r>
+          </a:p>
+          <a:p>
+            <a:r>
+              <a:rPr lang="ru-RU" dirty="0">
+                <a:solidFill>
+                  <a:schemeClr val="tx1"/>
+                </a:solidFill>
+              </a:rPr>
+              <a:t>Регламентация</a:t>
+            </a:r>
+          </a:p>
+          <a:p>
+            <a:r>
+              <a:rPr lang="ru-RU" dirty="0">
+                <a:solidFill>
+                  <a:schemeClr val="tx1"/>
+                </a:solidFill>
+              </a:rPr>
+              <a:t>Анализ и оптимизация</a:t>
+            </a:r>
+          </a:p>
+          <a:p>
+            <a:r>
+              <a:rPr lang="ru-RU" dirty="0">
+                <a:solidFill>
+                  <a:schemeClr val="tx1"/>
+                </a:solidFill>
+              </a:rPr>
+              <a:t>Автоматизация </a:t>
+            </a:r>
+          </a:p>
+        </p:txBody>
+      </p:sp>
+    </p:spTree>
+    <p:extLst>
+      <p:ext uri="{BB962C8B-B14F-4D97-AF65-F5344CB8AC3E}">
+        <p14:creationId xmlns:p14="http://schemas.microsoft.com/office/powerpoint/2010/main" val="3083703008"/>
+      </p:ext>
+    </p:extLst>
+  </p:cSld>
+  <p:clrMapOvr>
+    <a:masterClrMapping/>
+  </p:clrMapOvr>
+</p:sld>
+</file>
+
+<file path=ppt/slides/slide13.xml><?xml version="1.0" encoding="utf-8"?>
+<p:sld xmlns:a="http://schemas.openxmlformats.org/drawingml/2006/main" xmlns:r="http://schemas.openxmlformats.org/officeDocument/2006/relationships" xmlns:p="http://schemas.openxmlformats.org/presentationml/2006/main">
+  <p:cSld>
+    <p:spTree>
+      <p:nvGrpSpPr>
+        <p:cNvPr id="1" name=""/>
+        <p:cNvGrpSpPr/>
+        <p:nvPr/>
+      </p:nvGrpSpPr>
+      <p:grpSpPr>
+        <a:xfrm>
+          <a:off x="0" y="0"/>
+          <a:ext cx="0" cy="0"/>
+          <a:chOff x="0" y="0"/>
+          <a:chExt cx="0" cy="0"/>
+        </a:xfrm>
+      </p:grpSpPr>
+      <p:sp>
+        <p:nvSpPr>
+          <p:cNvPr id="2" name="Заголовок 1">
+            <a:extLst>
+              <a:ext uri="{FF2B5EF4-FFF2-40B4-BE49-F238E27FC236}">
+                <a16:creationId xmlns:a16="http://schemas.microsoft.com/office/drawing/2014/main" id="{FB9AA26E-4575-44A2-A728-6F135E4D6D87}"/>
+              </a:ext>
+            </a:extLst>
+          </p:cNvPr>
+          <p:cNvSpPr>
+            <a:spLocks noGrp="1"/>
+          </p:cNvSpPr>
+          <p:nvPr>
+            <p:ph type="title"/>
+          </p:nvPr>
+        </p:nvSpPr>
+        <p:spPr/>
+        <p:txBody>
+          <a:bodyPr/>
+          <a:lstStyle/>
+          <a:p>
+            <a:r>
+              <a:rPr lang="ru-RU" dirty="0"/>
+              <a:t>Правила моделирующей сессии</a:t>
+            </a:r>
+          </a:p>
+        </p:txBody>
+      </p:sp>
+      <p:sp>
+        <p:nvSpPr>
+          <p:cNvPr id="3" name="Объект 2">
+            <a:extLst>
+              <a:ext uri="{FF2B5EF4-FFF2-40B4-BE49-F238E27FC236}">
+                <a16:creationId xmlns:a16="http://schemas.microsoft.com/office/drawing/2014/main" id="{F443BDAF-3962-41FE-8E4C-6398EF2E2055}"/>
+              </a:ext>
+            </a:extLst>
+          </p:cNvPr>
+          <p:cNvSpPr>
+            <a:spLocks noGrp="1"/>
+          </p:cNvSpPr>
+          <p:nvPr>
+            <p:ph idx="1"/>
+          </p:nvPr>
+        </p:nvSpPr>
+        <p:spPr/>
+        <p:txBody>
+          <a:bodyPr/>
+          <a:lstStyle/>
+          <a:p>
+            <a:r>
+              <a:rPr lang="ru-RU" dirty="0"/>
+              <a:t>Строгая последовательность</a:t>
+            </a:r>
+          </a:p>
+          <a:p>
+            <a:r>
+              <a:rPr lang="ru-RU" dirty="0"/>
+              <a:t>Правило двух минут</a:t>
+            </a:r>
+          </a:p>
+          <a:p>
+            <a:r>
+              <a:rPr lang="ru-RU" dirty="0"/>
+              <a:t>Говорит один</a:t>
+            </a:r>
+          </a:p>
+          <a:p>
+            <a:r>
+              <a:rPr lang="ru-RU" dirty="0"/>
+              <a:t>Только один человек, принимает решение</a:t>
+            </a:r>
+          </a:p>
+        </p:txBody>
+      </p:sp>
+    </p:spTree>
+    <p:extLst>
+      <p:ext uri="{BB962C8B-B14F-4D97-AF65-F5344CB8AC3E}">
+        <p14:creationId xmlns:p14="http://schemas.microsoft.com/office/powerpoint/2010/main" val="2179836275"/>
+      </p:ext>
+    </p:extLst>
+  </p:cSld>
+  <p:clrMapOvr>
+    <a:masterClrMapping/>
+  </p:clrMapOvr>
+</p:sld>
+</file>
+
+<file path=ppt/slides/slide14.xml><?xml version="1.0" encoding="utf-8"?>
+<p:sld xmlns:a="http://schemas.openxmlformats.org/drawingml/2006/main" xmlns:r="http://schemas.openxmlformats.org/officeDocument/2006/relationships" xmlns:p="http://schemas.openxmlformats.org/presentationml/2006/main">
+  <p:cSld>
+    <p:spTree>
+      <p:nvGrpSpPr>
+        <p:cNvPr id="1" name=""/>
+        <p:cNvGrpSpPr/>
+        <p:nvPr/>
+      </p:nvGrpSpPr>
+      <p:grpSpPr>
+        <a:xfrm>
+          <a:off x="0" y="0"/>
+          <a:ext cx="0" cy="0"/>
+          <a:chOff x="0" y="0"/>
+          <a:chExt cx="0" cy="0"/>
+        </a:xfrm>
+      </p:grpSpPr>
+      <p:sp>
+        <p:nvSpPr>
+          <p:cNvPr id="2" name="Заголовок 1">
+            <a:extLst>
+              <a:ext uri="{FF2B5EF4-FFF2-40B4-BE49-F238E27FC236}">
+                <a16:creationId xmlns:a16="http://schemas.microsoft.com/office/drawing/2014/main" id="{8F6D1F97-A274-4A3A-8BBA-A832C57509B7}"/>
+              </a:ext>
+            </a:extLst>
+          </p:cNvPr>
+          <p:cNvSpPr>
+            <a:spLocks noGrp="1"/>
+          </p:cNvSpPr>
+          <p:nvPr>
+            <p:ph type="title"/>
+          </p:nvPr>
+        </p:nvSpPr>
+        <p:spPr/>
+        <p:txBody>
+          <a:bodyPr/>
+          <a:lstStyle/>
+          <a:p>
+            <a:r>
+              <a:rPr lang="ru-RU" dirty="0"/>
+              <a:t>Блок 2. Почему Аналитики будут востребованы до сих пор?</a:t>
+            </a:r>
+          </a:p>
+        </p:txBody>
+      </p:sp>
+      <p:sp>
+        <p:nvSpPr>
+          <p:cNvPr id="3" name="Объект 2">
+            <a:extLst>
+              <a:ext uri="{FF2B5EF4-FFF2-40B4-BE49-F238E27FC236}">
+                <a16:creationId xmlns:a16="http://schemas.microsoft.com/office/drawing/2014/main" id="{400A6BC8-EA77-43DD-9014-AA9D4AE30379}"/>
+              </a:ext>
+            </a:extLst>
+          </p:cNvPr>
+          <p:cNvSpPr>
+            <a:spLocks noGrp="1"/>
+          </p:cNvSpPr>
+          <p:nvPr>
+            <p:ph idx="1"/>
+          </p:nvPr>
+        </p:nvSpPr>
+        <p:spPr/>
+        <p:txBody>
+          <a:bodyPr/>
+          <a:lstStyle/>
+          <a:p>
+            <a:r>
+              <a:rPr lang="ru-RU" dirty="0"/>
+              <a:t>Во-первых у них достойный заработок</a:t>
+            </a:r>
+          </a:p>
+          <a:p>
+            <a:r>
+              <a:rPr lang="ru-RU" dirty="0"/>
+              <a:t>Много вакансий</a:t>
+            </a:r>
+          </a:p>
+          <a:p>
+            <a:endParaRPr lang="ru-RU" dirty="0"/>
+          </a:p>
+        </p:txBody>
+      </p:sp>
+    </p:spTree>
+    <p:extLst>
+      <p:ext uri="{BB962C8B-B14F-4D97-AF65-F5344CB8AC3E}">
+        <p14:creationId xmlns:p14="http://schemas.microsoft.com/office/powerpoint/2010/main" val="2997235415"/>
+      </p:ext>
+    </p:extLst>
+  </p:cSld>
+  <p:clrMapOvr>
+    <a:masterClrMapping/>
+  </p:clrMapOvr>
+</p:sld>
+</file>
+
+<file path=ppt/slides/slide15.xml><?xml version="1.0" encoding="utf-8"?>
+<p:sld xmlns:a="http://schemas.openxmlformats.org/drawingml/2006/main" xmlns:r="http://schemas.openxmlformats.org/officeDocument/2006/relationships" xmlns:p="http://schemas.openxmlformats.org/presentationml/2006/main">
+  <p:cSld>
+    <p:spTree>
+      <p:nvGrpSpPr>
+        <p:cNvPr id="1" name=""/>
+        <p:cNvGrpSpPr/>
+        <p:nvPr/>
+      </p:nvGrpSpPr>
+      <p:grpSpPr>
+        <a:xfrm>
+          <a:off x="0" y="0"/>
+          <a:ext cx="0" cy="0"/>
+          <a:chOff x="0" y="0"/>
+          <a:chExt cx="0" cy="0"/>
+        </a:xfrm>
+      </p:grpSpPr>
+      <p:sp>
+        <p:nvSpPr>
+          <p:cNvPr id="2" name="Заголовок 1">
+            <a:extLst>
+              <a:ext uri="{FF2B5EF4-FFF2-40B4-BE49-F238E27FC236}">
+                <a16:creationId xmlns:a16="http://schemas.microsoft.com/office/drawing/2014/main" id="{F060F2D4-C723-4E8F-9796-E35B809E3124}"/>
+              </a:ext>
+            </a:extLst>
+          </p:cNvPr>
+          <p:cNvSpPr>
+            <a:spLocks noGrp="1"/>
+          </p:cNvSpPr>
+          <p:nvPr>
+            <p:ph type="title"/>
+          </p:nvPr>
+        </p:nvSpPr>
+        <p:spPr/>
+        <p:txBody>
+          <a:bodyPr/>
+          <a:lstStyle/>
+          <a:p>
+            <a:r>
+              <a:rPr lang="ru-RU" dirty="0"/>
+              <a:t>Преимущества профессии</a:t>
+            </a:r>
+          </a:p>
+        </p:txBody>
+      </p:sp>
+      <p:sp>
+        <p:nvSpPr>
+          <p:cNvPr id="3" name="Объект 2">
+            <a:extLst>
+              <a:ext uri="{FF2B5EF4-FFF2-40B4-BE49-F238E27FC236}">
+                <a16:creationId xmlns:a16="http://schemas.microsoft.com/office/drawing/2014/main" id="{603F2020-5B5C-4562-8910-E5C9CE20C729}"/>
+              </a:ext>
+            </a:extLst>
+          </p:cNvPr>
+          <p:cNvSpPr>
+            <a:spLocks noGrp="1"/>
+          </p:cNvSpPr>
+          <p:nvPr>
+            <p:ph idx="1"/>
+          </p:nvPr>
+        </p:nvSpPr>
+        <p:spPr/>
+        <p:txBody>
+          <a:bodyPr/>
+          <a:lstStyle/>
+          <a:p>
+            <a:r>
+              <a:rPr lang="ru-RU" dirty="0"/>
+              <a:t>Востребована сейчас и будет востребована долго</a:t>
+            </a:r>
+          </a:p>
+          <a:p>
+            <a:r>
+              <a:rPr lang="ru-RU" dirty="0"/>
+              <a:t>Вакансий больше, чем специалистов</a:t>
+            </a:r>
+          </a:p>
+          <a:p>
+            <a:r>
+              <a:rPr lang="ru-RU" dirty="0"/>
+              <a:t>Достойная зарплата на старте</a:t>
+            </a:r>
+          </a:p>
+          <a:p>
+            <a:r>
+              <a:rPr lang="ru-RU" dirty="0"/>
+              <a:t>Нужно 6-7 месяцев, чтобы освоить процессию с нуля</a:t>
+            </a:r>
+          </a:p>
+          <a:p>
+            <a:r>
+              <a:rPr lang="ru-RU" dirty="0"/>
+              <a:t>Можно работать удаленно</a:t>
+            </a:r>
+          </a:p>
+          <a:p>
+            <a:r>
+              <a:rPr lang="ru-RU" dirty="0"/>
+              <a:t>Подходит как творческим людям, так и технарям</a:t>
+            </a:r>
+          </a:p>
+          <a:p>
+            <a:r>
+              <a:rPr lang="ru-RU" dirty="0"/>
+              <a:t>Легкий старт без опыта работы</a:t>
+            </a:r>
+          </a:p>
+        </p:txBody>
+      </p:sp>
+    </p:spTree>
+    <p:extLst>
+      <p:ext uri="{BB962C8B-B14F-4D97-AF65-F5344CB8AC3E}">
+        <p14:creationId xmlns:p14="http://schemas.microsoft.com/office/powerpoint/2010/main" val="3766081890"/>
+      </p:ext>
+    </p:extLst>
+  </p:cSld>
+  <p:clrMapOvr>
+    <a:masterClrMapping/>
+  </p:clrMapOvr>
+</p:sld>
+</file>
+
+<file path=ppt/slides/slide16.xml><?xml version="1.0" encoding="utf-8"?>
+<p:sld xmlns:a="http://schemas.openxmlformats.org/drawingml/2006/main" xmlns:r="http://schemas.openxmlformats.org/officeDocument/2006/relationships" xmlns:p="http://schemas.openxmlformats.org/presentationml/2006/main">
+  <p:cSld>
+    <p:spTree>
+      <p:nvGrpSpPr>
+        <p:cNvPr id="1" name=""/>
+        <p:cNvGrpSpPr/>
+        <p:nvPr/>
+      </p:nvGrpSpPr>
+      <p:grpSpPr>
+        <a:xfrm>
+          <a:off x="0" y="0"/>
+          <a:ext cx="0" cy="0"/>
+          <a:chOff x="0" y="0"/>
+          <a:chExt cx="0" cy="0"/>
+        </a:xfrm>
+      </p:grpSpPr>
+      <p:sp>
+        <p:nvSpPr>
+          <p:cNvPr id="2" name="Заголовок 1">
+            <a:extLst>
+              <a:ext uri="{FF2B5EF4-FFF2-40B4-BE49-F238E27FC236}">
+                <a16:creationId xmlns:a16="http://schemas.microsoft.com/office/drawing/2014/main" id="{B4316321-9D9A-44C8-AF91-E95CC9C83066}"/>
+              </a:ext>
+            </a:extLst>
+          </p:cNvPr>
+          <p:cNvSpPr>
+            <a:spLocks noGrp="1"/>
+          </p:cNvSpPr>
+          <p:nvPr>
+            <p:ph type="title"/>
+          </p:nvPr>
+        </p:nvSpPr>
+        <p:spPr/>
+        <p:txBody>
+          <a:bodyPr/>
+          <a:lstStyle/>
+          <a:p>
+            <a:r>
+              <a:rPr lang="ru-RU" dirty="0"/>
+              <a:t>Бизнес-аналитик, идеальная работа для новичка</a:t>
+            </a:r>
+          </a:p>
+        </p:txBody>
+      </p:sp>
+      <p:sp>
+        <p:nvSpPr>
+          <p:cNvPr id="3" name="Объект 2">
+            <a:extLst>
+              <a:ext uri="{FF2B5EF4-FFF2-40B4-BE49-F238E27FC236}">
+                <a16:creationId xmlns:a16="http://schemas.microsoft.com/office/drawing/2014/main" id="{9BD24B2B-5B61-4CBF-95D2-1180156B9779}"/>
+              </a:ext>
+            </a:extLst>
+          </p:cNvPr>
+          <p:cNvSpPr>
+            <a:spLocks noGrp="1"/>
+          </p:cNvSpPr>
+          <p:nvPr>
+            <p:ph idx="1"/>
+          </p:nvPr>
+        </p:nvSpPr>
+        <p:spPr/>
+        <p:txBody>
+          <a:bodyPr/>
+          <a:lstStyle/>
+          <a:p>
+            <a:r>
+              <a:rPr lang="ru-RU" dirty="0"/>
+              <a:t>Можно начинать работать без опыта </a:t>
+            </a:r>
+          </a:p>
+          <a:p>
+            <a:r>
+              <a:rPr lang="ru-RU" dirty="0"/>
+              <a:t>Можно работать без высшего образования</a:t>
+            </a:r>
+          </a:p>
+          <a:p>
+            <a:r>
+              <a:rPr lang="ru-RU" dirty="0"/>
+              <a:t>Много бесплатных материалов по бизнес-анализу</a:t>
+            </a:r>
+          </a:p>
+          <a:p>
+            <a:r>
+              <a:rPr lang="ru-RU" dirty="0"/>
+              <a:t>Большое количество инструментов, которые легко и быстро освоить</a:t>
+            </a:r>
+          </a:p>
+          <a:p>
+            <a:r>
+              <a:rPr lang="ru-RU" dirty="0"/>
+              <a:t>Развитое </a:t>
+            </a:r>
+            <a:r>
+              <a:rPr lang="ru-RU" dirty="0" err="1"/>
+              <a:t>укомьюинити</a:t>
+            </a:r>
+            <a:endParaRPr lang="ru-RU" dirty="0"/>
+          </a:p>
+        </p:txBody>
+      </p:sp>
+    </p:spTree>
+    <p:extLst>
+      <p:ext uri="{BB962C8B-B14F-4D97-AF65-F5344CB8AC3E}">
+        <p14:creationId xmlns:p14="http://schemas.microsoft.com/office/powerpoint/2010/main" val="1690153099"/>
+      </p:ext>
+    </p:extLst>
+  </p:cSld>
+  <p:clrMapOvr>
+    <a:masterClrMapping/>
+  </p:clrMapOvr>
+</p:sld>
+</file>
+
+<file path=ppt/slides/slide17.xml><?xml version="1.0" encoding="utf-8"?>
+<p:sld xmlns:a="http://schemas.openxmlformats.org/drawingml/2006/main" xmlns:r="http://schemas.openxmlformats.org/officeDocument/2006/relationships" xmlns:p="http://schemas.openxmlformats.org/presentationml/2006/main">
+  <p:cSld>
+    <p:spTree>
+      <p:nvGrpSpPr>
+        <p:cNvPr id="1" name=""/>
+        <p:cNvGrpSpPr/>
+        <p:nvPr/>
+      </p:nvGrpSpPr>
+      <p:grpSpPr>
+        <a:xfrm>
+          <a:off x="0" y="0"/>
+          <a:ext cx="0" cy="0"/>
+          <a:chOff x="0" y="0"/>
+          <a:chExt cx="0" cy="0"/>
+        </a:xfrm>
+      </p:grpSpPr>
+      <p:sp>
+        <p:nvSpPr>
+          <p:cNvPr id="2" name="Заголовок 1">
+            <a:extLst>
+              <a:ext uri="{FF2B5EF4-FFF2-40B4-BE49-F238E27FC236}">
+                <a16:creationId xmlns:a16="http://schemas.microsoft.com/office/drawing/2014/main" id="{0E70FE12-5294-4C83-B5A0-5FE1819546F2}"/>
+              </a:ext>
+            </a:extLst>
+          </p:cNvPr>
+          <p:cNvSpPr>
+            <a:spLocks noGrp="1"/>
+          </p:cNvSpPr>
+          <p:nvPr>
+            <p:ph type="title"/>
+          </p:nvPr>
+        </p:nvSpPr>
+        <p:spPr/>
+        <p:txBody>
+          <a:bodyPr/>
+          <a:lstStyle/>
+          <a:p>
+            <a:r>
+              <a:rPr lang="ru-RU" dirty="0"/>
+              <a:t>С чем связан спрос ?</a:t>
+            </a:r>
+          </a:p>
+        </p:txBody>
+      </p:sp>
+      <p:sp>
+        <p:nvSpPr>
+          <p:cNvPr id="3" name="Объект 2">
+            <a:extLst>
+              <a:ext uri="{FF2B5EF4-FFF2-40B4-BE49-F238E27FC236}">
+                <a16:creationId xmlns:a16="http://schemas.microsoft.com/office/drawing/2014/main" id="{9F941E7C-C8D2-4344-B0F4-B3C1C4C4F909}"/>
+              </a:ext>
+            </a:extLst>
+          </p:cNvPr>
+          <p:cNvSpPr>
+            <a:spLocks noGrp="1"/>
+          </p:cNvSpPr>
+          <p:nvPr>
+            <p:ph idx="1"/>
+          </p:nvPr>
+        </p:nvSpPr>
+        <p:spPr/>
+        <p:txBody>
+          <a:bodyPr/>
+          <a:lstStyle/>
+          <a:p>
+            <a:r>
+              <a:rPr lang="ru-RU" dirty="0"/>
+              <a:t>В наше время из-за санкций</a:t>
+            </a:r>
+          </a:p>
+          <a:p>
+            <a:r>
+              <a:rPr lang="ru-RU" dirty="0"/>
+              <a:t>Импортозамещение</a:t>
+            </a:r>
+          </a:p>
+          <a:p>
+            <a:r>
+              <a:rPr lang="ru-RU" dirty="0"/>
+              <a:t>Инвестиция в </a:t>
+            </a:r>
+            <a:r>
+              <a:rPr lang="en-US" dirty="0"/>
+              <a:t>IT</a:t>
+            </a:r>
+            <a:endParaRPr lang="ru-RU" dirty="0"/>
+          </a:p>
+        </p:txBody>
+      </p:sp>
+    </p:spTree>
+    <p:extLst>
+      <p:ext uri="{BB962C8B-B14F-4D97-AF65-F5344CB8AC3E}">
+        <p14:creationId xmlns:p14="http://schemas.microsoft.com/office/powerpoint/2010/main" val="795014221"/>
+      </p:ext>
+    </p:extLst>
+  </p:cSld>
+  <p:clrMapOvr>
+    <a:masterClrMapping/>
+  </p:clrMapOvr>
+</p:sld>
+</file>
+
+<file path=ppt/slides/slide18.xml><?xml version="1.0" encoding="utf-8"?>
+<p:sld xmlns:a="http://schemas.openxmlformats.org/drawingml/2006/main" xmlns:r="http://schemas.openxmlformats.org/officeDocument/2006/relationships" xmlns:p="http://schemas.openxmlformats.org/presentationml/2006/main">
+  <p:cSld>
+    <p:spTree>
+      <p:nvGrpSpPr>
+        <p:cNvPr id="1" name=""/>
+        <p:cNvGrpSpPr/>
+        <p:nvPr/>
+      </p:nvGrpSpPr>
+      <p:grpSpPr>
+        <a:xfrm>
+          <a:off x="0" y="0"/>
+          <a:ext cx="0" cy="0"/>
+          <a:chOff x="0" y="0"/>
+          <a:chExt cx="0" cy="0"/>
+        </a:xfrm>
+      </p:grpSpPr>
+      <p:sp>
+        <p:nvSpPr>
+          <p:cNvPr id="2" name="Заголовок 1">
+            <a:extLst>
+              <a:ext uri="{FF2B5EF4-FFF2-40B4-BE49-F238E27FC236}">
+                <a16:creationId xmlns:a16="http://schemas.microsoft.com/office/drawing/2014/main" id="{FB91FCB8-402E-4EF2-AF14-AFA3608798F0}"/>
+              </a:ext>
+            </a:extLst>
+          </p:cNvPr>
+          <p:cNvSpPr>
+            <a:spLocks noGrp="1"/>
+          </p:cNvSpPr>
+          <p:nvPr>
+            <p:ph type="title"/>
+          </p:nvPr>
+        </p:nvSpPr>
+        <p:spPr/>
+        <p:txBody>
+          <a:bodyPr/>
+          <a:lstStyle/>
+          <a:p>
+            <a:r>
+              <a:rPr lang="ru-RU" dirty="0"/>
+              <a:t>Игра на интуицию</a:t>
+            </a:r>
+          </a:p>
+        </p:txBody>
+      </p:sp>
+      <p:sp>
+        <p:nvSpPr>
+          <p:cNvPr id="3" name="Объект 2">
+            <a:extLst>
+              <a:ext uri="{FF2B5EF4-FFF2-40B4-BE49-F238E27FC236}">
+                <a16:creationId xmlns:a16="http://schemas.microsoft.com/office/drawing/2014/main" id="{37B03B78-8F9B-4F3B-9EBF-1C4B94EA0A62}"/>
+              </a:ext>
+            </a:extLst>
+          </p:cNvPr>
+          <p:cNvSpPr>
+            <a:spLocks noGrp="1"/>
+          </p:cNvSpPr>
+          <p:nvPr>
+            <p:ph idx="1"/>
+          </p:nvPr>
+        </p:nvSpPr>
+        <p:spPr>
+          <a:xfrm>
+            <a:off x="2246312" y="2352854"/>
+            <a:ext cx="8915400" cy="3777622"/>
+          </a:xfrm>
+        </p:spPr>
+        <p:txBody>
+          <a:bodyPr>
+            <a:normAutofit/>
+          </a:bodyPr>
+          <a:lstStyle/>
+          <a:p>
+            <a:r>
+              <a:rPr lang="ru-RU" sz="4000" dirty="0"/>
+              <a:t>Нужен ли мощный компьютер для этой работы?</a:t>
+            </a:r>
+          </a:p>
+          <a:p>
+            <a:endParaRPr lang="ru-RU" sz="4000" dirty="0"/>
+          </a:p>
+          <a:p>
+            <a:r>
+              <a:rPr lang="ru-RU" sz="4000" dirty="0"/>
+              <a:t>Миф или правда</a:t>
+            </a:r>
+          </a:p>
+        </p:txBody>
+      </p:sp>
+    </p:spTree>
+    <p:extLst>
+      <p:ext uri="{BB962C8B-B14F-4D97-AF65-F5344CB8AC3E}">
+        <p14:creationId xmlns:p14="http://schemas.microsoft.com/office/powerpoint/2010/main" val="2299355611"/>
+      </p:ext>
+    </p:extLst>
+  </p:cSld>
+  <p:clrMapOvr>
+    <a:masterClrMapping/>
+  </p:clrMapOvr>
+</p:sld>
+</file>
+
+<file path=ppt/slides/slide19.xml><?xml version="1.0" encoding="utf-8"?>
+<p:sld xmlns:a="http://schemas.openxmlformats.org/drawingml/2006/main" xmlns:r="http://schemas.openxmlformats.org/officeDocument/2006/relationships" xmlns:p="http://schemas.openxmlformats.org/presentationml/2006/main">
+  <p:cSld>
+    <p:spTree>
+      <p:nvGrpSpPr>
+        <p:cNvPr id="1" name=""/>
+        <p:cNvGrpSpPr/>
+        <p:nvPr/>
+      </p:nvGrpSpPr>
+      <p:grpSpPr>
+        <a:xfrm>
+          <a:off x="0" y="0"/>
+          <a:ext cx="0" cy="0"/>
+          <a:chOff x="0" y="0"/>
+          <a:chExt cx="0" cy="0"/>
+        </a:xfrm>
+      </p:grpSpPr>
+      <p:sp>
+        <p:nvSpPr>
+          <p:cNvPr id="2" name="Заголовок 1">
+            <a:extLst>
+              <a:ext uri="{FF2B5EF4-FFF2-40B4-BE49-F238E27FC236}">
+                <a16:creationId xmlns:a16="http://schemas.microsoft.com/office/drawing/2014/main" id="{FB91FCB8-402E-4EF2-AF14-AFA3608798F0}"/>
+              </a:ext>
+            </a:extLst>
+          </p:cNvPr>
+          <p:cNvSpPr>
+            <a:spLocks noGrp="1"/>
+          </p:cNvSpPr>
+          <p:nvPr>
+            <p:ph type="title"/>
+          </p:nvPr>
+        </p:nvSpPr>
+        <p:spPr/>
+        <p:txBody>
+          <a:bodyPr/>
+          <a:lstStyle/>
+          <a:p>
+            <a:r>
+              <a:rPr lang="ru-RU" dirty="0"/>
+              <a:t>Игра на интуицию</a:t>
+            </a:r>
+          </a:p>
+        </p:txBody>
+      </p:sp>
+      <p:sp>
+        <p:nvSpPr>
+          <p:cNvPr id="3" name="Объект 2">
+            <a:extLst>
+              <a:ext uri="{FF2B5EF4-FFF2-40B4-BE49-F238E27FC236}">
+                <a16:creationId xmlns:a16="http://schemas.microsoft.com/office/drawing/2014/main" id="{37B03B78-8F9B-4F3B-9EBF-1C4B94EA0A62}"/>
+              </a:ext>
+            </a:extLst>
+          </p:cNvPr>
+          <p:cNvSpPr>
+            <a:spLocks noGrp="1"/>
+          </p:cNvSpPr>
+          <p:nvPr>
+            <p:ph idx="1"/>
+          </p:nvPr>
+        </p:nvSpPr>
+        <p:spPr>
+          <a:xfrm>
+            <a:off x="2246312" y="2352854"/>
+            <a:ext cx="8915400" cy="3777622"/>
+          </a:xfrm>
+        </p:spPr>
+        <p:txBody>
+          <a:bodyPr>
+            <a:normAutofit/>
+          </a:bodyPr>
+          <a:lstStyle/>
+          <a:p>
+            <a:r>
+              <a:rPr lang="ru-RU" sz="4000" dirty="0"/>
+              <a:t>Миф, это профессия не требует мощного компьютера</a:t>
+            </a:r>
+          </a:p>
+        </p:txBody>
+      </p:sp>
+    </p:spTree>
+    <p:extLst>
+      <p:ext uri="{BB962C8B-B14F-4D97-AF65-F5344CB8AC3E}">
+        <p14:creationId xmlns:p14="http://schemas.microsoft.com/office/powerpoint/2010/main" val="822027668"/>
+      </p:ext>
+    </p:extLst>
+  </p:cSld>
+  <p:clrMapOvr>
+    <a:masterClrMapping/>
+  </p:clrMapOvr>
+</p:sld>
+</file>
+
 <file path=ppt/slides/slide2.xml><?xml version="1.0" encoding="utf-8"?>
 <p:sld xmlns:a="http://schemas.openxmlformats.org/drawingml/2006/main" xmlns:r="http://schemas.openxmlformats.org/officeDocument/2006/relationships" xmlns:p="http://schemas.openxmlformats.org/presentationml/2006/main">
   <p:cSld>
@@ -7807,6 +8897,192 @@
     <p:extLst>
       <p:ext uri="{BB962C8B-B14F-4D97-AF65-F5344CB8AC3E}">
         <p14:creationId xmlns:p14="http://schemas.microsoft.com/office/powerpoint/2010/main" val="2778039001"/>
+      </p:ext>
+    </p:extLst>
+  </p:cSld>
+  <p:clrMapOvr>
+    <a:masterClrMapping/>
+  </p:clrMapOvr>
+</p:sld>
+</file>
+
+<file path=ppt/slides/slide20.xml><?xml version="1.0" encoding="utf-8"?>
+<p:sld xmlns:a="http://schemas.openxmlformats.org/drawingml/2006/main" xmlns:r="http://schemas.openxmlformats.org/officeDocument/2006/relationships" xmlns:p="http://schemas.openxmlformats.org/presentationml/2006/main">
+  <p:cSld>
+    <p:spTree>
+      <p:nvGrpSpPr>
+        <p:cNvPr id="1" name=""/>
+        <p:cNvGrpSpPr/>
+        <p:nvPr/>
+      </p:nvGrpSpPr>
+      <p:grpSpPr>
+        <a:xfrm>
+          <a:off x="0" y="0"/>
+          <a:ext cx="0" cy="0"/>
+          <a:chOff x="0" y="0"/>
+          <a:chExt cx="0" cy="0"/>
+        </a:xfrm>
+      </p:grpSpPr>
+      <p:sp>
+        <p:nvSpPr>
+          <p:cNvPr id="2" name="Заголовок 1">
+            <a:extLst>
+              <a:ext uri="{FF2B5EF4-FFF2-40B4-BE49-F238E27FC236}">
+                <a16:creationId xmlns:a16="http://schemas.microsoft.com/office/drawing/2014/main" id="{FB91FCB8-402E-4EF2-AF14-AFA3608798F0}"/>
+              </a:ext>
+            </a:extLst>
+          </p:cNvPr>
+          <p:cNvSpPr>
+            <a:spLocks noGrp="1"/>
+          </p:cNvSpPr>
+          <p:nvPr>
+            <p:ph type="title"/>
+          </p:nvPr>
+        </p:nvSpPr>
+        <p:spPr/>
+        <p:txBody>
+          <a:bodyPr/>
+          <a:lstStyle/>
+          <a:p>
+            <a:r>
+              <a:rPr lang="ru-RU" dirty="0"/>
+              <a:t>Игра на интуицию</a:t>
+            </a:r>
+          </a:p>
+        </p:txBody>
+      </p:sp>
+      <p:sp>
+        <p:nvSpPr>
+          <p:cNvPr id="3" name="Объект 2">
+            <a:extLst>
+              <a:ext uri="{FF2B5EF4-FFF2-40B4-BE49-F238E27FC236}">
+                <a16:creationId xmlns:a16="http://schemas.microsoft.com/office/drawing/2014/main" id="{37B03B78-8F9B-4F3B-9EBF-1C4B94EA0A62}"/>
+              </a:ext>
+            </a:extLst>
+          </p:cNvPr>
+          <p:cNvSpPr>
+            <a:spLocks noGrp="1"/>
+          </p:cNvSpPr>
+          <p:nvPr>
+            <p:ph idx="1"/>
+          </p:nvPr>
+        </p:nvSpPr>
+        <p:spPr>
+          <a:xfrm>
+            <a:off x="2246312" y="2352854"/>
+            <a:ext cx="8915400" cy="3777622"/>
+          </a:xfrm>
+        </p:spPr>
+        <p:txBody>
+          <a:bodyPr>
+            <a:normAutofit/>
+          </a:bodyPr>
+          <a:lstStyle/>
+          <a:p>
+            <a:r>
+              <a:rPr lang="ru-RU" sz="4000" dirty="0"/>
+              <a:t>Если вы из региона, но нет возможности переехать в большой город, поэтому я не смогу устроиться на работу</a:t>
+            </a:r>
+          </a:p>
+        </p:txBody>
+      </p:sp>
+    </p:spTree>
+    <p:extLst>
+      <p:ext uri="{BB962C8B-B14F-4D97-AF65-F5344CB8AC3E}">
+        <p14:creationId xmlns:p14="http://schemas.microsoft.com/office/powerpoint/2010/main" val="200214864"/>
+      </p:ext>
+    </p:extLst>
+  </p:cSld>
+  <p:clrMapOvr>
+    <a:masterClrMapping/>
+  </p:clrMapOvr>
+</p:sld>
+</file>
+
+<file path=ppt/slides/slide21.xml><?xml version="1.0" encoding="utf-8"?>
+<p:sld xmlns:a="http://schemas.openxmlformats.org/drawingml/2006/main" xmlns:r="http://schemas.openxmlformats.org/officeDocument/2006/relationships" xmlns:p="http://schemas.openxmlformats.org/presentationml/2006/main">
+  <p:cSld>
+    <p:spTree>
+      <p:nvGrpSpPr>
+        <p:cNvPr id="1" name=""/>
+        <p:cNvGrpSpPr/>
+        <p:nvPr/>
+      </p:nvGrpSpPr>
+      <p:grpSpPr>
+        <a:xfrm>
+          <a:off x="0" y="0"/>
+          <a:ext cx="0" cy="0"/>
+          <a:chOff x="0" y="0"/>
+          <a:chExt cx="0" cy="0"/>
+        </a:xfrm>
+      </p:grpSpPr>
+      <p:sp>
+        <p:nvSpPr>
+          <p:cNvPr id="2" name="Заголовок 1">
+            <a:extLst>
+              <a:ext uri="{FF2B5EF4-FFF2-40B4-BE49-F238E27FC236}">
+                <a16:creationId xmlns:a16="http://schemas.microsoft.com/office/drawing/2014/main" id="{FB91FCB8-402E-4EF2-AF14-AFA3608798F0}"/>
+              </a:ext>
+            </a:extLst>
+          </p:cNvPr>
+          <p:cNvSpPr>
+            <a:spLocks noGrp="1"/>
+          </p:cNvSpPr>
+          <p:nvPr>
+            <p:ph type="title"/>
+          </p:nvPr>
+        </p:nvSpPr>
+        <p:spPr/>
+        <p:txBody>
+          <a:bodyPr/>
+          <a:lstStyle/>
+          <a:p>
+            <a:r>
+              <a:rPr lang="ru-RU" dirty="0"/>
+              <a:t>Игра на интуицию</a:t>
+            </a:r>
+          </a:p>
+        </p:txBody>
+      </p:sp>
+      <p:sp>
+        <p:nvSpPr>
+          <p:cNvPr id="3" name="Объект 2">
+            <a:extLst>
+              <a:ext uri="{FF2B5EF4-FFF2-40B4-BE49-F238E27FC236}">
+                <a16:creationId xmlns:a16="http://schemas.microsoft.com/office/drawing/2014/main" id="{37B03B78-8F9B-4F3B-9EBF-1C4B94EA0A62}"/>
+              </a:ext>
+            </a:extLst>
+          </p:cNvPr>
+          <p:cNvSpPr>
+            <a:spLocks noGrp="1"/>
+          </p:cNvSpPr>
+          <p:nvPr>
+            <p:ph idx="1"/>
+          </p:nvPr>
+        </p:nvSpPr>
+        <p:spPr>
+          <a:xfrm>
+            <a:off x="2246312" y="2352854"/>
+            <a:ext cx="8915400" cy="3777622"/>
+          </a:xfrm>
+        </p:spPr>
+        <p:txBody>
+          <a:bodyPr>
+            <a:normAutofit/>
+          </a:bodyPr>
+          <a:lstStyle/>
+          <a:p>
+            <a:r>
+              <a:rPr lang="ru-RU" sz="4000" dirty="0"/>
+              <a:t>Миф, эта профессия входит в топ-50 дистанционных работ</a:t>
+            </a:r>
+          </a:p>
+        </p:txBody>
+      </p:sp>
+    </p:spTree>
+    <p:extLst>
+      <p:ext uri="{BB962C8B-B14F-4D97-AF65-F5344CB8AC3E}">
+        <p14:creationId xmlns:p14="http://schemas.microsoft.com/office/powerpoint/2010/main" val="200597087"/>
       </p:ext>
     </p:extLst>
   </p:cSld>
@@ -8275,6 +9551,214 @@
     <p:extLst>
       <p:ext uri="{BB962C8B-B14F-4D97-AF65-F5344CB8AC3E}">
         <p14:creationId xmlns:p14="http://schemas.microsoft.com/office/powerpoint/2010/main" val="3145222836"/>
+      </p:ext>
+    </p:extLst>
+  </p:cSld>
+  <p:clrMapOvr>
+    <a:masterClrMapping/>
+  </p:clrMapOvr>
+</p:sld>
+</file>
+
+<file path=ppt/slides/slide8.xml><?xml version="1.0" encoding="utf-8"?>
+<p:sld xmlns:a="http://schemas.openxmlformats.org/drawingml/2006/main" xmlns:r="http://schemas.openxmlformats.org/officeDocument/2006/relationships" xmlns:p="http://schemas.openxmlformats.org/presentationml/2006/main">
+  <p:cSld>
+    <p:spTree>
+      <p:nvGrpSpPr>
+        <p:cNvPr id="1" name=""/>
+        <p:cNvGrpSpPr/>
+        <p:nvPr/>
+      </p:nvGrpSpPr>
+      <p:grpSpPr>
+        <a:xfrm>
+          <a:off x="0" y="0"/>
+          <a:ext cx="0" cy="0"/>
+          <a:chOff x="0" y="0"/>
+          <a:chExt cx="0" cy="0"/>
+        </a:xfrm>
+      </p:grpSpPr>
+      <p:sp>
+        <p:nvSpPr>
+          <p:cNvPr id="2" name="Заголовок 1">
+            <a:extLst>
+              <a:ext uri="{FF2B5EF4-FFF2-40B4-BE49-F238E27FC236}">
+                <a16:creationId xmlns:a16="http://schemas.microsoft.com/office/drawing/2014/main" id="{85380E0C-6430-4370-8C7F-5D128009C3D3}"/>
+              </a:ext>
+            </a:extLst>
+          </p:cNvPr>
+          <p:cNvSpPr>
+            <a:spLocks noGrp="1"/>
+          </p:cNvSpPr>
+          <p:nvPr>
+            <p:ph type="title"/>
+          </p:nvPr>
+        </p:nvSpPr>
+        <p:spPr/>
+        <p:txBody>
+          <a:bodyPr/>
+          <a:lstStyle/>
+          <a:p>
+            <a:r>
+              <a:rPr lang="ru-RU" dirty="0"/>
+              <a:t>Описание бизнес-процессов</a:t>
+            </a:r>
+          </a:p>
+        </p:txBody>
+      </p:sp>
+      <p:sp>
+        <p:nvSpPr>
+          <p:cNvPr id="3" name="Объект 2">
+            <a:extLst>
+              <a:ext uri="{FF2B5EF4-FFF2-40B4-BE49-F238E27FC236}">
+                <a16:creationId xmlns:a16="http://schemas.microsoft.com/office/drawing/2014/main" id="{DFF6AE6C-B41C-45CA-9199-17FAAF0B44EF}"/>
+              </a:ext>
+            </a:extLst>
+          </p:cNvPr>
+          <p:cNvSpPr>
+            <a:spLocks noGrp="1"/>
+          </p:cNvSpPr>
+          <p:nvPr>
+            <p:ph idx="1"/>
+          </p:nvPr>
+        </p:nvSpPr>
+        <p:spPr/>
+        <p:txBody>
+          <a:bodyPr/>
+          <a:lstStyle/>
+          <a:p>
+            <a:r>
+              <a:rPr lang="ru-RU" dirty="0"/>
+              <a:t>Что такое бизнес-процесс?</a:t>
+            </a:r>
+          </a:p>
+          <a:p>
+            <a:r>
+              <a:rPr lang="ru-RU" dirty="0"/>
+              <a:t>Как выбрать правильную нотацию для проекта?</a:t>
+            </a:r>
+          </a:p>
+          <a:p>
+            <a:r>
+              <a:rPr lang="ru-RU" dirty="0"/>
+              <a:t>Как собрать информацию о процессе</a:t>
+            </a:r>
+          </a:p>
+          <a:p>
+            <a:r>
+              <a:rPr lang="ru-RU" dirty="0"/>
+              <a:t>Учимся грамотно описывать бизнес-процесс</a:t>
+            </a:r>
+          </a:p>
+          <a:p>
+            <a:r>
+              <a:rPr lang="ru-RU" dirty="0"/>
+              <a:t>Основные графические языки по описанию процессов</a:t>
+            </a:r>
+          </a:p>
+        </p:txBody>
+      </p:sp>
+    </p:spTree>
+    <p:extLst>
+      <p:ext uri="{BB962C8B-B14F-4D97-AF65-F5344CB8AC3E}">
+        <p14:creationId xmlns:p14="http://schemas.microsoft.com/office/powerpoint/2010/main" val="3342672566"/>
+      </p:ext>
+    </p:extLst>
+  </p:cSld>
+  <p:clrMapOvr>
+    <a:masterClrMapping/>
+  </p:clrMapOvr>
+</p:sld>
+</file>
+
+<file path=ppt/slides/slide9.xml><?xml version="1.0" encoding="utf-8"?>
+<p:sld xmlns:a="http://schemas.openxmlformats.org/drawingml/2006/main" xmlns:r="http://schemas.openxmlformats.org/officeDocument/2006/relationships" xmlns:p="http://schemas.openxmlformats.org/presentationml/2006/main">
+  <p:cSld>
+    <p:spTree>
+      <p:nvGrpSpPr>
+        <p:cNvPr id="1" name=""/>
+        <p:cNvGrpSpPr/>
+        <p:nvPr/>
+      </p:nvGrpSpPr>
+      <p:grpSpPr>
+        <a:xfrm>
+          <a:off x="0" y="0"/>
+          <a:ext cx="0" cy="0"/>
+          <a:chOff x="0" y="0"/>
+          <a:chExt cx="0" cy="0"/>
+        </a:xfrm>
+      </p:grpSpPr>
+      <p:sp>
+        <p:nvSpPr>
+          <p:cNvPr id="2" name="Заголовок 1">
+            <a:extLst>
+              <a:ext uri="{FF2B5EF4-FFF2-40B4-BE49-F238E27FC236}">
+                <a16:creationId xmlns:a16="http://schemas.microsoft.com/office/drawing/2014/main" id="{8B17E09F-B6A6-4E01-8149-6EB8F9B9A483}"/>
+              </a:ext>
+            </a:extLst>
+          </p:cNvPr>
+          <p:cNvSpPr>
+            <a:spLocks noGrp="1"/>
+          </p:cNvSpPr>
+          <p:nvPr>
+            <p:ph type="title"/>
+          </p:nvPr>
+        </p:nvSpPr>
+        <p:spPr/>
+        <p:txBody>
+          <a:bodyPr/>
+          <a:lstStyle/>
+          <a:p>
+            <a:r>
+              <a:rPr lang="ru-RU" dirty="0"/>
+              <a:t>Все процессы делают это</a:t>
+            </a:r>
+          </a:p>
+        </p:txBody>
+      </p:sp>
+      <p:sp>
+        <p:nvSpPr>
+          <p:cNvPr id="3" name="Объект 2">
+            <a:extLst>
+              <a:ext uri="{FF2B5EF4-FFF2-40B4-BE49-F238E27FC236}">
+                <a16:creationId xmlns:a16="http://schemas.microsoft.com/office/drawing/2014/main" id="{AC0338C6-4A48-4B51-9361-448EEFEBE5BB}"/>
+              </a:ext>
+            </a:extLst>
+          </p:cNvPr>
+          <p:cNvSpPr>
+            <a:spLocks noGrp="1"/>
+          </p:cNvSpPr>
+          <p:nvPr>
+            <p:ph idx="1"/>
+          </p:nvPr>
+        </p:nvSpPr>
+        <p:spPr/>
+        <p:txBody>
+          <a:bodyPr/>
+          <a:lstStyle/>
+          <a:p>
+            <a:r>
+              <a:rPr lang="ru-RU" dirty="0"/>
+              <a:t>Результативность – способность оказать услугу или продавать товар ожидаемого качества в ожидаемые сроки в ожидаемом количестве.</a:t>
+            </a:r>
+          </a:p>
+          <a:p>
+            <a:r>
+              <a:rPr lang="ru-RU" dirty="0"/>
+              <a:t>Эффективность – способность оказывать услугу или продавать товар ожидаемого качества в ожидаемые сроки в ожидаемом количестве наилучшим образом. И использовать минимальное количество ресурсов</a:t>
+            </a:r>
+          </a:p>
+          <a:p>
+            <a:r>
+              <a:rPr lang="ru-RU" dirty="0"/>
+              <a:t>Бизнес-целенаправленная периодически повторяющаяся последовательность взаимосвязанных действий. Она направлена на получение заданного результата, ценного для потребителя</a:t>
+            </a:r>
+          </a:p>
+        </p:txBody>
+      </p:sp>
+    </p:spTree>
+    <p:extLst>
+      <p:ext uri="{BB962C8B-B14F-4D97-AF65-F5344CB8AC3E}">
+        <p14:creationId xmlns:p14="http://schemas.microsoft.com/office/powerpoint/2010/main" val="2535491087"/>
       </p:ext>
     </p:extLst>
   </p:cSld>
